--- a/01-Intro/intro.pptx
+++ b/01-Intro/intro.pptx
@@ -5,19 +5,17 @@
     <p:sldMasterId id="2147483648" r:id="rId1"/>
   </p:sldMasterIdLst>
   <p:notesMasterIdLst>
-    <p:notesMasterId r:id="rId12"/>
+    <p:notesMasterId r:id="rId10"/>
   </p:notesMasterIdLst>
   <p:sldIdLst>
-    <p:sldId id="256" r:id="rId2"/>
-    <p:sldId id="268" r:id="rId3"/>
-    <p:sldId id="263" r:id="rId4"/>
-    <p:sldId id="258" r:id="rId5"/>
-    <p:sldId id="261" r:id="rId6"/>
-    <p:sldId id="269" r:id="rId7"/>
-    <p:sldId id="267" r:id="rId8"/>
-    <p:sldId id="259" r:id="rId9"/>
-    <p:sldId id="264" r:id="rId10"/>
-    <p:sldId id="265" r:id="rId11"/>
+    <p:sldId id="258" r:id="rId2"/>
+    <p:sldId id="270" r:id="rId3"/>
+    <p:sldId id="261" r:id="rId4"/>
+    <p:sldId id="269" r:id="rId5"/>
+    <p:sldId id="267" r:id="rId6"/>
+    <p:sldId id="259" r:id="rId7"/>
+    <p:sldId id="264" r:id="rId8"/>
+    <p:sldId id="265" r:id="rId9"/>
   </p:sldIdLst>
   <p:sldSz cx="12192000" cy="6858000"/>
   <p:notesSz cx="6858000" cy="9144000"/>
@@ -206,7 +204,7 @@
           <a:p>
             <a:fld id="{ED71F2EB-D9AE-48CA-B9DE-C98DB75A98E8}" type="datetimeFigureOut">
               <a:rPr lang="ru-RU" smtClean="0"/>
-              <a:t>24.12.2015</a:t>
+              <a:t>14.03.2016</a:t>
             </a:fld>
             <a:endParaRPr lang="ru-RU"/>
           </a:p>
@@ -589,7 +587,7 @@
             <a:fld id="{89329285-B0FC-44C9-9749-E258C7AB2264}" type="slidenum">
               <a:rPr lang="ru-RU" smtClean="0"/>
               <a:pPr/>
-              <a:t>6</a:t>
+              <a:t>4</a:t>
             </a:fld>
             <a:endParaRPr lang="ru-RU"/>
           </a:p>
@@ -739,7 +737,7 @@
           <a:p>
             <a:fld id="{F929E881-D46B-41C2-9ED4-68961B1F3187}" type="datetimeFigureOut">
               <a:rPr lang="ru-RU" smtClean="0"/>
-              <a:t>24.12.2015</a:t>
+              <a:t>14.03.2016</a:t>
             </a:fld>
             <a:endParaRPr lang="ru-RU"/>
           </a:p>
@@ -909,7 +907,7 @@
           <a:p>
             <a:fld id="{F929E881-D46B-41C2-9ED4-68961B1F3187}" type="datetimeFigureOut">
               <a:rPr lang="ru-RU" smtClean="0"/>
-              <a:t>24.12.2015</a:t>
+              <a:t>14.03.2016</a:t>
             </a:fld>
             <a:endParaRPr lang="ru-RU"/>
           </a:p>
@@ -1089,7 +1087,7 @@
           <a:p>
             <a:fld id="{F929E881-D46B-41C2-9ED4-68961B1F3187}" type="datetimeFigureOut">
               <a:rPr lang="ru-RU" smtClean="0"/>
-              <a:t>24.12.2015</a:t>
+              <a:t>14.03.2016</a:t>
             </a:fld>
             <a:endParaRPr lang="ru-RU"/>
           </a:p>
@@ -1295,7 +1293,7 @@
           <a:p>
             <a:fld id="{F929E881-D46B-41C2-9ED4-68961B1F3187}" type="datetimeFigureOut">
               <a:rPr lang="ru-RU" smtClean="0"/>
-              <a:t>24.12.2015</a:t>
+              <a:t>14.03.2016</a:t>
             </a:fld>
             <a:endParaRPr lang="ru-RU"/>
           </a:p>
@@ -1541,7 +1539,7 @@
           <a:p>
             <a:fld id="{F929E881-D46B-41C2-9ED4-68961B1F3187}" type="datetimeFigureOut">
               <a:rPr lang="ru-RU" smtClean="0"/>
-              <a:t>24.12.2015</a:t>
+              <a:t>14.03.2016</a:t>
             </a:fld>
             <a:endParaRPr lang="ru-RU"/>
           </a:p>
@@ -1773,7 +1771,7 @@
           <a:p>
             <a:fld id="{F929E881-D46B-41C2-9ED4-68961B1F3187}" type="datetimeFigureOut">
               <a:rPr lang="ru-RU" smtClean="0"/>
-              <a:t>24.12.2015</a:t>
+              <a:t>14.03.2016</a:t>
             </a:fld>
             <a:endParaRPr lang="ru-RU"/>
           </a:p>
@@ -2140,7 +2138,7 @@
           <a:p>
             <a:fld id="{F929E881-D46B-41C2-9ED4-68961B1F3187}" type="datetimeFigureOut">
               <a:rPr lang="ru-RU" smtClean="0"/>
-              <a:t>24.12.2015</a:t>
+              <a:t>14.03.2016</a:t>
             </a:fld>
             <a:endParaRPr lang="ru-RU"/>
           </a:p>
@@ -2258,7 +2256,7 @@
           <a:p>
             <a:fld id="{F929E881-D46B-41C2-9ED4-68961B1F3187}" type="datetimeFigureOut">
               <a:rPr lang="ru-RU" smtClean="0"/>
-              <a:t>24.12.2015</a:t>
+              <a:t>14.03.2016</a:t>
             </a:fld>
             <a:endParaRPr lang="ru-RU"/>
           </a:p>
@@ -2353,7 +2351,7 @@
           <a:p>
             <a:fld id="{F929E881-D46B-41C2-9ED4-68961B1F3187}" type="datetimeFigureOut">
               <a:rPr lang="ru-RU" smtClean="0"/>
-              <a:t>24.12.2015</a:t>
+              <a:t>14.03.2016</a:t>
             </a:fld>
             <a:endParaRPr lang="ru-RU"/>
           </a:p>
@@ -2630,7 +2628,7 @@
           <a:p>
             <a:fld id="{F929E881-D46B-41C2-9ED4-68961B1F3187}" type="datetimeFigureOut">
               <a:rPr lang="ru-RU" smtClean="0"/>
-              <a:t>24.12.2015</a:t>
+              <a:t>14.03.2016</a:t>
             </a:fld>
             <a:endParaRPr lang="ru-RU"/>
           </a:p>
@@ -2883,7 +2881,7 @@
           <a:p>
             <a:fld id="{F929E881-D46B-41C2-9ED4-68961B1F3187}" type="datetimeFigureOut">
               <a:rPr lang="ru-RU" smtClean="0"/>
-              <a:t>24.12.2015</a:t>
+              <a:t>14.03.2016</a:t>
             </a:fld>
             <a:endParaRPr lang="ru-RU"/>
           </a:p>
@@ -3096,7 +3094,7 @@
           <a:p>
             <a:fld id="{F929E881-D46B-41C2-9ED4-68961B1F3187}" type="datetimeFigureOut">
               <a:rPr lang="ru-RU" smtClean="0"/>
-              <a:t>24.12.2015</a:t>
+              <a:t>14.03.2016</a:t>
             </a:fld>
             <a:endParaRPr lang="ru-RU"/>
           </a:p>
@@ -3508,846 +3506,6 @@
             <a:spLocks noGrp="1"/>
           </p:cNvSpPr>
           <p:nvPr>
-            <p:ph type="ctrTitle"/>
-          </p:nvPr>
-        </p:nvSpPr>
-        <p:spPr/>
-        <p:txBody>
-          <a:bodyPr/>
-          <a:lstStyle/>
-          <a:p>
-            <a:r>
-              <a:rPr lang="ru-RU" dirty="0" smtClean="0"/>
-              <a:t>Детальное проектирование</a:t>
-            </a:r>
-            <a:endParaRPr lang="ru-RU" dirty="0"/>
-          </a:p>
-        </p:txBody>
-      </p:sp>
-      <p:sp>
-        <p:nvSpPr>
-          <p:cNvPr id="3" name="Подзаголовок 2"/>
-          <p:cNvSpPr>
-            <a:spLocks noGrp="1"/>
-          </p:cNvSpPr>
-          <p:nvPr>
-            <p:ph type="subTitle" idx="1"/>
-          </p:nvPr>
-        </p:nvSpPr>
-        <p:spPr/>
-        <p:txBody>
-          <a:bodyPr/>
-          <a:lstStyle/>
-          <a:p>
-            <a:endParaRPr lang="ru-RU"/>
-          </a:p>
-        </p:txBody>
-      </p:sp>
-    </p:spTree>
-    <p:extLst>
-      <p:ext uri="{BB962C8B-B14F-4D97-AF65-F5344CB8AC3E}">
-        <p14:creationId xmlns:p14="http://schemas.microsoft.com/office/powerpoint/2010/main" val="2555862253"/>
-      </p:ext>
-    </p:extLst>
-  </p:cSld>
-  <p:clrMapOvr>
-    <a:masterClrMapping/>
-  </p:clrMapOvr>
-  <p:timing>
-    <p:tnLst>
-      <p:par>
-        <p:cTn id="1" dur="indefinite" restart="never" nodeType="tmRoot"/>
-      </p:par>
-    </p:tnLst>
-  </p:timing>
-</p:sld>
-</file>
-
-<file path=ppt/slides/slide10.xml><?xml version="1.0" encoding="utf-8"?>
-<p:sld xmlns:a="http://schemas.openxmlformats.org/drawingml/2006/main" xmlns:r="http://schemas.openxmlformats.org/officeDocument/2006/relationships" xmlns:p="http://schemas.openxmlformats.org/presentationml/2006/main">
-  <p:cSld>
-    <p:spTree>
-      <p:nvGrpSpPr>
-        <p:cNvPr id="1" name=""/>
-        <p:cNvGrpSpPr/>
-        <p:nvPr/>
-      </p:nvGrpSpPr>
-      <p:grpSpPr>
-        <a:xfrm>
-          <a:off x="0" y="0"/>
-          <a:ext cx="0" cy="0"/>
-          <a:chOff x="0" y="0"/>
-          <a:chExt cx="0" cy="0"/>
-        </a:xfrm>
-      </p:grpSpPr>
-      <p:sp>
-        <p:nvSpPr>
-          <p:cNvPr id="2" name="Заголовок 1"/>
-          <p:cNvSpPr>
-            <a:spLocks noGrp="1"/>
-          </p:cNvSpPr>
-          <p:nvPr>
-            <p:ph type="title"/>
-          </p:nvPr>
-        </p:nvSpPr>
-        <p:spPr/>
-        <p:txBody>
-          <a:bodyPr/>
-          <a:lstStyle/>
-          <a:p>
-            <a:r>
-              <a:rPr lang="ru-RU" dirty="0" smtClean="0"/>
-              <a:t>Проблемы культуры «</a:t>
-            </a:r>
-            <a:r>
-              <a:rPr lang="en-US" dirty="0" smtClean="0"/>
-              <a:t>Worse Is Better</a:t>
-            </a:r>
-            <a:r>
-              <a:rPr lang="ru-RU" dirty="0" smtClean="0"/>
-              <a:t>»</a:t>
-            </a:r>
-            <a:endParaRPr lang="ru-RU" dirty="0"/>
-          </a:p>
-        </p:txBody>
-      </p:sp>
-      <p:sp>
-        <p:nvSpPr>
-          <p:cNvPr id="3" name="Объект 2"/>
-          <p:cNvSpPr>
-            <a:spLocks noGrp="1"/>
-          </p:cNvSpPr>
-          <p:nvPr>
-            <p:ph idx="1"/>
-          </p:nvPr>
-        </p:nvSpPr>
-        <p:spPr>
-          <a:xfrm>
-            <a:off x="838200" y="1825625"/>
-            <a:ext cx="10515600" cy="4351338"/>
-          </a:xfrm>
-        </p:spPr>
-        <p:txBody>
-          <a:bodyPr/>
-          <a:lstStyle/>
-          <a:p>
-            <a:pPr marL="0" indent="0">
-              <a:buNone/>
-            </a:pPr>
-            <a:r>
-              <a:rPr lang="ru-RU" dirty="0" smtClean="0"/>
-              <a:t>«</a:t>
-            </a:r>
-            <a:r>
-              <a:rPr lang="en-US" dirty="0" smtClean="0"/>
-              <a:t>We’ve </a:t>
-            </a:r>
-            <a:r>
-              <a:rPr lang="en-US" dirty="0"/>
-              <a:t>started to think small and take small risks. And given our large scale slide towards worse-is-better, </a:t>
-            </a:r>
-            <a:r>
-              <a:rPr lang="en-US" b="1" dirty="0"/>
-              <a:t>there’s a real possibility that worse-is-better will simply become bad-lazy-design</a:t>
-            </a:r>
-            <a:r>
-              <a:rPr lang="en-US" dirty="0"/>
-              <a:t>, and we will lose the ability to recognize the right-thing</a:t>
-            </a:r>
-            <a:r>
-              <a:rPr lang="en-US" dirty="0" smtClean="0"/>
-              <a:t>.</a:t>
-            </a:r>
-            <a:r>
-              <a:rPr lang="ru-RU" dirty="0" smtClean="0"/>
-              <a:t>»</a:t>
-            </a:r>
-          </a:p>
-          <a:p>
-            <a:pPr marL="0" indent="0">
-              <a:buNone/>
-            </a:pPr>
-            <a:r>
-              <a:rPr lang="en-US" sz="2400" dirty="0" smtClean="0">
-                <a:hlinkClick r:id="rId2"/>
-              </a:rPr>
-              <a:t>http://spin.atomicobject.com/2015/01/12/worse-is-better-vs-right-thing/</a:t>
-            </a:r>
-            <a:endParaRPr lang="ru-RU" sz="2400" dirty="0" smtClean="0"/>
-          </a:p>
-          <a:p>
-            <a:pPr marL="0" indent="0">
-              <a:buNone/>
-            </a:pPr>
-            <a:endParaRPr lang="ru-RU" b="1" dirty="0"/>
-          </a:p>
-        </p:txBody>
-      </p:sp>
-    </p:spTree>
-    <p:extLst>
-      <p:ext uri="{BB962C8B-B14F-4D97-AF65-F5344CB8AC3E}">
-        <p14:creationId xmlns:p14="http://schemas.microsoft.com/office/powerpoint/2010/main" val="2092131821"/>
-      </p:ext>
-    </p:extLst>
-  </p:cSld>
-  <p:clrMapOvr>
-    <a:masterClrMapping/>
-  </p:clrMapOvr>
-  <p:timing>
-    <p:tnLst>
-      <p:par>
-        <p:cTn id="1" dur="indefinite" restart="never" nodeType="tmRoot"/>
-      </p:par>
-    </p:tnLst>
-  </p:timing>
-</p:sld>
-</file>
-
-<file path=ppt/slides/slide2.xml><?xml version="1.0" encoding="utf-8"?>
-<p:sld xmlns:a="http://schemas.openxmlformats.org/drawingml/2006/main" xmlns:r="http://schemas.openxmlformats.org/officeDocument/2006/relationships" xmlns:p="http://schemas.openxmlformats.org/presentationml/2006/main">
-  <p:cSld>
-    <p:spTree>
-      <p:nvGrpSpPr>
-        <p:cNvPr id="1" name=""/>
-        <p:cNvGrpSpPr/>
-        <p:nvPr/>
-      </p:nvGrpSpPr>
-      <p:grpSpPr>
-        <a:xfrm>
-          <a:off x="0" y="0"/>
-          <a:ext cx="0" cy="0"/>
-          <a:chOff x="0" y="0"/>
-          <a:chExt cx="0" cy="0"/>
-        </a:xfrm>
-      </p:grpSpPr>
-      <p:sp>
-        <p:nvSpPr>
-          <p:cNvPr id="4" name="Заголовок 3"/>
-          <p:cNvSpPr>
-            <a:spLocks noGrp="1"/>
-          </p:cNvSpPr>
-          <p:nvPr>
-            <p:ph type="title"/>
-          </p:nvPr>
-        </p:nvSpPr>
-        <p:spPr/>
-        <p:txBody>
-          <a:bodyPr/>
-          <a:lstStyle/>
-          <a:p>
-            <a:r>
-              <a:rPr lang="ru-RU" dirty="0" smtClean="0"/>
-              <a:t>Цели проектирования</a:t>
-            </a:r>
-            <a:endParaRPr lang="ru-RU" dirty="0"/>
-          </a:p>
-        </p:txBody>
-      </p:sp>
-      <p:sp>
-        <p:nvSpPr>
-          <p:cNvPr id="5" name="Текст 4"/>
-          <p:cNvSpPr>
-            <a:spLocks noGrp="1"/>
-          </p:cNvSpPr>
-          <p:nvPr>
-            <p:ph type="body" idx="1"/>
-          </p:nvPr>
-        </p:nvSpPr>
-        <p:spPr/>
-        <p:txBody>
-          <a:bodyPr/>
-          <a:lstStyle/>
-          <a:p>
-            <a:endParaRPr lang="ru-RU"/>
-          </a:p>
-        </p:txBody>
-      </p:sp>
-    </p:spTree>
-    <p:extLst>
-      <p:ext uri="{BB962C8B-B14F-4D97-AF65-F5344CB8AC3E}">
-        <p14:creationId xmlns:p14="http://schemas.microsoft.com/office/powerpoint/2010/main" val="4118491624"/>
-      </p:ext>
-    </p:extLst>
-  </p:cSld>
-  <p:clrMapOvr>
-    <a:masterClrMapping/>
-  </p:clrMapOvr>
-  <p:timing>
-    <p:tnLst>
-      <p:par>
-        <p:cTn id="1" dur="indefinite" restart="never" nodeType="tmRoot"/>
-      </p:par>
-    </p:tnLst>
-  </p:timing>
-</p:sld>
-</file>
-
-<file path=ppt/slides/slide3.xml><?xml version="1.0" encoding="utf-8"?>
-<p:sld xmlns:a="http://schemas.openxmlformats.org/drawingml/2006/main" xmlns:r="http://schemas.openxmlformats.org/officeDocument/2006/relationships" xmlns:p="http://schemas.openxmlformats.org/presentationml/2006/main">
-  <p:cSld>
-    <p:spTree>
-      <p:nvGrpSpPr>
-        <p:cNvPr id="1" name=""/>
-        <p:cNvGrpSpPr/>
-        <p:nvPr/>
-      </p:nvGrpSpPr>
-      <p:grpSpPr>
-        <a:xfrm>
-          <a:off x="0" y="0"/>
-          <a:ext cx="0" cy="0"/>
-          <a:chOff x="0" y="0"/>
-          <a:chExt cx="0" cy="0"/>
-        </a:xfrm>
-      </p:grpSpPr>
-      <p:sp>
-        <p:nvSpPr>
-          <p:cNvPr id="2" name="Заголовок 1"/>
-          <p:cNvSpPr>
-            <a:spLocks noGrp="1"/>
-          </p:cNvSpPr>
-          <p:nvPr>
-            <p:ph type="title"/>
-          </p:nvPr>
-        </p:nvSpPr>
-        <p:spPr>
-          <a:xfrm>
-            <a:off x="2474913" y="405880"/>
-            <a:ext cx="7005464" cy="1143000"/>
-          </a:xfrm>
-        </p:spPr>
-        <p:txBody>
-          <a:bodyPr/>
-          <a:lstStyle/>
-          <a:p>
-            <a:pPr algn="r"/>
-            <a:r>
-              <a:rPr lang="ru-RU" dirty="0" smtClean="0">
-                <a:solidFill>
-                  <a:schemeClr val="tx1"/>
-                </a:solidFill>
-              </a:rPr>
-              <a:t>Архитектура</a:t>
-            </a:r>
-            <a:endParaRPr lang="ru-RU" dirty="0">
-              <a:solidFill>
-                <a:schemeClr val="tx1"/>
-              </a:solidFill>
-            </a:endParaRPr>
-          </a:p>
-        </p:txBody>
-      </p:sp>
-      <p:sp>
-        <p:nvSpPr>
-          <p:cNvPr id="5" name="Заголовок 1"/>
-          <p:cNvSpPr txBox="1">
-            <a:spLocks/>
-          </p:cNvSpPr>
-          <p:nvPr/>
-        </p:nvSpPr>
-        <p:spPr>
-          <a:xfrm>
-            <a:off x="2762945" y="4142521"/>
-            <a:ext cx="6717432" cy="1143000"/>
-          </a:xfrm>
-          <a:prstGeom prst="rect">
-            <a:avLst/>
-          </a:prstGeom>
-        </p:spPr>
-        <p:txBody>
-          <a:bodyPr vert="horz" lIns="91440" tIns="45720" rIns="91440" bIns="45720" rtlCol="0" anchor="ctr">
-            <a:normAutofit/>
-          </a:bodyPr>
-          <a:lstStyle>
-            <a:lvl1pPr algn="ctr" defTabSz="914400" rtl="0" eaLnBrk="1" latinLnBrk="0" hangingPunct="1">
-              <a:spcBef>
-                <a:spcPct val="0"/>
-              </a:spcBef>
-              <a:buNone/>
-              <a:defRPr sz="4400" b="1" kern="1200">
-                <a:solidFill>
-                  <a:schemeClr val="accent6">
-                    <a:lumMod val="50000"/>
-                  </a:schemeClr>
-                </a:solidFill>
-                <a:latin typeface="Candara" pitchFamily="34" charset="0"/>
-                <a:ea typeface="+mj-ea"/>
-                <a:cs typeface="+mj-cs"/>
-              </a:defRPr>
-            </a:lvl1pPr>
-          </a:lstStyle>
-          <a:p>
-            <a:pPr algn="r"/>
-            <a:r>
-              <a:rPr lang="ru-RU" dirty="0">
-                <a:solidFill>
-                  <a:srgbClr val="C00000"/>
-                </a:solidFill>
-                <a:latin typeface="Segoe UI Light" panose="020B0502040204020203" pitchFamily="34" charset="0"/>
-              </a:rPr>
-              <a:t>Детальный дизайн</a:t>
-            </a:r>
-          </a:p>
-        </p:txBody>
-      </p:sp>
-      <p:sp>
-        <p:nvSpPr>
-          <p:cNvPr id="6" name="TextBox 5"/>
-          <p:cNvSpPr txBox="1"/>
-          <p:nvPr/>
-        </p:nvSpPr>
-        <p:spPr>
-          <a:xfrm>
-            <a:off x="1153546" y="1400002"/>
-            <a:ext cx="8326831" cy="707886"/>
-          </a:xfrm>
-          <a:prstGeom prst="rect">
-            <a:avLst/>
-          </a:prstGeom>
-          <a:noFill/>
-        </p:spPr>
-        <p:txBody>
-          <a:bodyPr wrap="none" rtlCol="0">
-            <a:spAutoFit/>
-          </a:bodyPr>
-          <a:lstStyle/>
-          <a:p>
-            <a:pPr algn="r"/>
-            <a:r>
-              <a:rPr lang="ru-RU" sz="2000" dirty="0" smtClean="0">
-                <a:latin typeface="Segoe UI" panose="020B0502040204020203" pitchFamily="34" charset="0"/>
-                <a:ea typeface="Segoe UI" panose="020B0502040204020203" pitchFamily="34" charset="0"/>
-                <a:cs typeface="Segoe UI" panose="020B0502040204020203" pitchFamily="34" charset="0"/>
-              </a:rPr>
-              <a:t>Платформа, язык программирования, другие ключевые технологии, </a:t>
-            </a:r>
-            <a:r>
-              <a:rPr lang="ru-RU" sz="2000" dirty="0">
-                <a:latin typeface="Segoe UI" panose="020B0502040204020203" pitchFamily="34" charset="0"/>
-                <a:ea typeface="Segoe UI" panose="020B0502040204020203" pitchFamily="34" charset="0"/>
-                <a:cs typeface="Segoe UI" panose="020B0502040204020203" pitchFamily="34" charset="0"/>
-              </a:rPr>
-              <a:t/>
-            </a:r>
-            <a:br>
-              <a:rPr lang="ru-RU" sz="2000" dirty="0">
-                <a:latin typeface="Segoe UI" panose="020B0502040204020203" pitchFamily="34" charset="0"/>
-                <a:ea typeface="Segoe UI" panose="020B0502040204020203" pitchFamily="34" charset="0"/>
-                <a:cs typeface="Segoe UI" panose="020B0502040204020203" pitchFamily="34" charset="0"/>
-              </a:rPr>
-            </a:br>
-            <a:r>
-              <a:rPr lang="ru-RU" sz="2000" dirty="0" smtClean="0">
-                <a:latin typeface="Segoe UI" panose="020B0502040204020203" pitchFamily="34" charset="0"/>
-                <a:ea typeface="Segoe UI" panose="020B0502040204020203" pitchFamily="34" charset="0"/>
-                <a:cs typeface="Segoe UI" panose="020B0502040204020203" pitchFamily="34" charset="0"/>
-              </a:rPr>
-              <a:t>разбиение на высокоуровневые подсистемы</a:t>
-            </a:r>
-            <a:endParaRPr lang="ru-RU" sz="2000" dirty="0">
-              <a:latin typeface="Segoe UI" panose="020B0502040204020203" pitchFamily="34" charset="0"/>
-              <a:ea typeface="Segoe UI" panose="020B0502040204020203" pitchFamily="34" charset="0"/>
-              <a:cs typeface="Segoe UI" panose="020B0502040204020203" pitchFamily="34" charset="0"/>
-            </a:endParaRPr>
-          </a:p>
-        </p:txBody>
-      </p:sp>
-      <p:sp>
-        <p:nvSpPr>
-          <p:cNvPr id="8" name="TextBox 7"/>
-          <p:cNvSpPr txBox="1"/>
-          <p:nvPr/>
-        </p:nvSpPr>
-        <p:spPr>
-          <a:xfrm>
-            <a:off x="1017162" y="5144987"/>
-            <a:ext cx="8463215" cy="400110"/>
-          </a:xfrm>
-          <a:prstGeom prst="rect">
-            <a:avLst/>
-          </a:prstGeom>
-          <a:noFill/>
-        </p:spPr>
-        <p:txBody>
-          <a:bodyPr wrap="none" rtlCol="0">
-            <a:spAutoFit/>
-          </a:bodyPr>
-          <a:lstStyle/>
-          <a:p>
-            <a:pPr algn="r"/>
-            <a:r>
-              <a:rPr lang="ru-RU" sz="2000" dirty="0" smtClean="0">
-                <a:latin typeface="Segoe UI" panose="020B0502040204020203" pitchFamily="34" charset="0"/>
-                <a:ea typeface="Segoe UI" panose="020B0502040204020203" pitchFamily="34" charset="0"/>
-                <a:cs typeface="Segoe UI" panose="020B0502040204020203" pitchFamily="34" charset="0"/>
-              </a:rPr>
-              <a:t>Выработка наилучшего способа организации кода одной подсистемы</a:t>
-            </a:r>
-            <a:endParaRPr lang="ru-RU" sz="2000" dirty="0">
-              <a:latin typeface="Segoe UI" panose="020B0502040204020203" pitchFamily="34" charset="0"/>
-              <a:ea typeface="Segoe UI" panose="020B0502040204020203" pitchFamily="34" charset="0"/>
-              <a:cs typeface="Segoe UI" panose="020B0502040204020203" pitchFamily="34" charset="0"/>
-            </a:endParaRPr>
-          </a:p>
-        </p:txBody>
-      </p:sp>
-      <p:sp>
-        <p:nvSpPr>
-          <p:cNvPr id="9" name="Заголовок 1"/>
-          <p:cNvSpPr txBox="1">
-            <a:spLocks/>
-          </p:cNvSpPr>
-          <p:nvPr/>
-        </p:nvSpPr>
-        <p:spPr>
-          <a:xfrm>
-            <a:off x="2765717" y="2632376"/>
-            <a:ext cx="6717432" cy="1143000"/>
-          </a:xfrm>
-          <a:prstGeom prst="rect">
-            <a:avLst/>
-          </a:prstGeom>
-        </p:spPr>
-        <p:txBody>
-          <a:bodyPr vert="horz" lIns="91440" tIns="45720" rIns="91440" bIns="45720" rtlCol="0" anchor="ctr">
-            <a:normAutofit/>
-          </a:bodyPr>
-          <a:lstStyle>
-            <a:lvl1pPr algn="ctr" defTabSz="914400" rtl="0" eaLnBrk="1" latinLnBrk="0" hangingPunct="1">
-              <a:spcBef>
-                <a:spcPct val="0"/>
-              </a:spcBef>
-              <a:buNone/>
-              <a:defRPr sz="4400" b="1" kern="1200">
-                <a:solidFill>
-                  <a:schemeClr val="accent6">
-                    <a:lumMod val="50000"/>
-                  </a:schemeClr>
-                </a:solidFill>
-                <a:latin typeface="Candara" pitchFamily="34" charset="0"/>
-                <a:ea typeface="+mj-ea"/>
-                <a:cs typeface="+mj-cs"/>
-              </a:defRPr>
-            </a:lvl1pPr>
-          </a:lstStyle>
-          <a:p>
-            <a:pPr algn="r"/>
-            <a:r>
-              <a:rPr lang="en-US" b="0" dirty="0" smtClean="0">
-                <a:solidFill>
-                  <a:schemeClr val="tx1"/>
-                </a:solidFill>
-                <a:latin typeface="Segoe UI Light" panose="020B0502040204020203" pitchFamily="34" charset="0"/>
-              </a:rPr>
-              <a:t>...</a:t>
-            </a:r>
-            <a:endParaRPr lang="ru-RU" b="0" dirty="0">
-              <a:solidFill>
-                <a:schemeClr val="tx1"/>
-              </a:solidFill>
-              <a:latin typeface="Segoe UI Light" panose="020B0502040204020203" pitchFamily="34" charset="0"/>
-            </a:endParaRPr>
-          </a:p>
-        </p:txBody>
-      </p:sp>
-    </p:spTree>
-    <p:extLst>
-      <p:ext uri="{BB962C8B-B14F-4D97-AF65-F5344CB8AC3E}">
-        <p14:creationId xmlns:p14="http://schemas.microsoft.com/office/powerpoint/2010/main" val="3836321305"/>
-      </p:ext>
-    </p:extLst>
-  </p:cSld>
-  <p:clrMapOvr>
-    <a:masterClrMapping/>
-  </p:clrMapOvr>
-  <p:timing>
-    <p:tnLst>
-      <p:par>
-        <p:cTn id="1" dur="indefinite" restart="never" nodeType="tmRoot">
-          <p:childTnLst>
-            <p:seq concurrent="1" nextAc="seek">
-              <p:cTn id="2" dur="indefinite" nodeType="mainSeq">
-                <p:childTnLst>
-                  <p:par>
-                    <p:cTn id="3" fill="hold">
-                      <p:stCondLst>
-                        <p:cond delay="indefinite"/>
-                      </p:stCondLst>
-                      <p:childTnLst>
-                        <p:par>
-                          <p:cTn id="4" fill="hold">
-                            <p:stCondLst>
-                              <p:cond delay="0"/>
-                            </p:stCondLst>
-                            <p:childTnLst>
-                              <p:par>
-                                <p:cTn id="5" presetID="1" presetClass="entr" presetSubtype="0" fill="hold" grpId="0" nodeType="clickEffect">
-                                  <p:stCondLst>
-                                    <p:cond delay="0"/>
-                                  </p:stCondLst>
-                                  <p:childTnLst>
-                                    <p:set>
-                                      <p:cBhvr>
-                                        <p:cTn id="6" dur="1" fill="hold">
-                                          <p:stCondLst>
-                                            <p:cond delay="0"/>
-                                          </p:stCondLst>
-                                        </p:cTn>
-                                        <p:tgtEl>
-                                          <p:spTgt spid="2"/>
-                                        </p:tgtEl>
-                                        <p:attrNameLst>
-                                          <p:attrName>style.visibility</p:attrName>
-                                        </p:attrNameLst>
-                                      </p:cBhvr>
-                                      <p:to>
-                                        <p:strVal val="visible"/>
-                                      </p:to>
-                                    </p:set>
-                                  </p:childTnLst>
-                                </p:cTn>
-                              </p:par>
-                            </p:childTnLst>
-                          </p:cTn>
-                        </p:par>
-                      </p:childTnLst>
-                    </p:cTn>
-                  </p:par>
-                  <p:par>
-                    <p:cTn id="7" fill="hold">
-                      <p:stCondLst>
-                        <p:cond delay="indefinite"/>
-                      </p:stCondLst>
-                      <p:childTnLst>
-                        <p:par>
-                          <p:cTn id="8" fill="hold">
-                            <p:stCondLst>
-                              <p:cond delay="0"/>
-                            </p:stCondLst>
-                            <p:childTnLst>
-                              <p:par>
-                                <p:cTn id="9" presetID="1" presetClass="entr" presetSubtype="0" fill="hold" grpId="0" nodeType="clickEffect">
-                                  <p:stCondLst>
-                                    <p:cond delay="0"/>
-                                  </p:stCondLst>
-                                  <p:childTnLst>
-                                    <p:set>
-                                      <p:cBhvr>
-                                        <p:cTn id="10" dur="1" fill="hold">
-                                          <p:stCondLst>
-                                            <p:cond delay="0"/>
-                                          </p:stCondLst>
-                                        </p:cTn>
-                                        <p:tgtEl>
-                                          <p:spTgt spid="5"/>
-                                        </p:tgtEl>
-                                        <p:attrNameLst>
-                                          <p:attrName>style.visibility</p:attrName>
-                                        </p:attrNameLst>
-                                      </p:cBhvr>
-                                      <p:to>
-                                        <p:strVal val="visible"/>
-                                      </p:to>
-                                    </p:set>
-                                  </p:childTnLst>
-                                </p:cTn>
-                              </p:par>
-                            </p:childTnLst>
-                          </p:cTn>
-                        </p:par>
-                      </p:childTnLst>
-                    </p:cTn>
-                  </p:par>
-                  <p:par>
-                    <p:cTn id="11" fill="hold">
-                      <p:stCondLst>
-                        <p:cond delay="indefinite"/>
-                      </p:stCondLst>
-                      <p:childTnLst>
-                        <p:par>
-                          <p:cTn id="12" fill="hold">
-                            <p:stCondLst>
-                              <p:cond delay="0"/>
-                            </p:stCondLst>
-                            <p:childTnLst>
-                              <p:par>
-                                <p:cTn id="13" presetID="1" presetClass="entr" presetSubtype="0" fill="hold" grpId="0" nodeType="clickEffect">
-                                  <p:stCondLst>
-                                    <p:cond delay="0"/>
-                                  </p:stCondLst>
-                                  <p:childTnLst>
-                                    <p:set>
-                                      <p:cBhvr>
-                                        <p:cTn id="14" dur="1" fill="hold">
-                                          <p:stCondLst>
-                                            <p:cond delay="0"/>
-                                          </p:stCondLst>
-                                        </p:cTn>
-                                        <p:tgtEl>
-                                          <p:spTgt spid="6"/>
-                                        </p:tgtEl>
-                                        <p:attrNameLst>
-                                          <p:attrName>style.visibility</p:attrName>
-                                        </p:attrNameLst>
-                                      </p:cBhvr>
-                                      <p:to>
-                                        <p:strVal val="visible"/>
-                                      </p:to>
-                                    </p:set>
-                                  </p:childTnLst>
-                                </p:cTn>
-                              </p:par>
-                            </p:childTnLst>
-                          </p:cTn>
-                        </p:par>
-                      </p:childTnLst>
-                    </p:cTn>
-                  </p:par>
-                  <p:par>
-                    <p:cTn id="15" fill="hold">
-                      <p:stCondLst>
-                        <p:cond delay="indefinite"/>
-                      </p:stCondLst>
-                      <p:childTnLst>
-                        <p:par>
-                          <p:cTn id="16" fill="hold">
-                            <p:stCondLst>
-                              <p:cond delay="0"/>
-                            </p:stCondLst>
-                            <p:childTnLst>
-                              <p:par>
-                                <p:cTn id="17" presetID="1" presetClass="entr" presetSubtype="0" fill="hold" grpId="0" nodeType="clickEffect">
-                                  <p:stCondLst>
-                                    <p:cond delay="0"/>
-                                  </p:stCondLst>
-                                  <p:childTnLst>
-                                    <p:set>
-                                      <p:cBhvr>
-                                        <p:cTn id="18" dur="1" fill="hold">
-                                          <p:stCondLst>
-                                            <p:cond delay="0"/>
-                                          </p:stCondLst>
-                                        </p:cTn>
-                                        <p:tgtEl>
-                                          <p:spTgt spid="8"/>
-                                        </p:tgtEl>
-                                        <p:attrNameLst>
-                                          <p:attrName>style.visibility</p:attrName>
-                                        </p:attrNameLst>
-                                      </p:cBhvr>
-                                      <p:to>
-                                        <p:strVal val="visible"/>
-                                      </p:to>
-                                    </p:set>
-                                  </p:childTnLst>
-                                </p:cTn>
-                              </p:par>
-                            </p:childTnLst>
-                          </p:cTn>
-                        </p:par>
-                      </p:childTnLst>
-                    </p:cTn>
-                  </p:par>
-                  <p:par>
-                    <p:cTn id="19" fill="hold">
-                      <p:stCondLst>
-                        <p:cond delay="indefinite"/>
-                      </p:stCondLst>
-                      <p:childTnLst>
-                        <p:par>
-                          <p:cTn id="20" fill="hold">
-                            <p:stCondLst>
-                              <p:cond delay="0"/>
-                            </p:stCondLst>
-                            <p:childTnLst>
-                              <p:par>
-                                <p:cTn id="21" presetID="1" presetClass="entr" presetSubtype="0" fill="hold" grpId="0" nodeType="clickEffect">
-                                  <p:stCondLst>
-                                    <p:cond delay="0"/>
-                                  </p:stCondLst>
-                                  <p:childTnLst>
-                                    <p:set>
-                                      <p:cBhvr>
-                                        <p:cTn id="22" dur="1" fill="hold">
-                                          <p:stCondLst>
-                                            <p:cond delay="0"/>
-                                          </p:stCondLst>
-                                        </p:cTn>
-                                        <p:tgtEl>
-                                          <p:spTgt spid="9"/>
-                                        </p:tgtEl>
-                                        <p:attrNameLst>
-                                          <p:attrName>style.visibility</p:attrName>
-                                        </p:attrNameLst>
-                                      </p:cBhvr>
-                                      <p:to>
-                                        <p:strVal val="visible"/>
-                                      </p:to>
-                                    </p:set>
-                                  </p:childTnLst>
-                                </p:cTn>
-                              </p:par>
-                            </p:childTnLst>
-                          </p:cTn>
-                        </p:par>
-                      </p:childTnLst>
-                    </p:cTn>
-                  </p:par>
-                </p:childTnLst>
-              </p:cTn>
-              <p:prevCondLst>
-                <p:cond evt="onPrev" delay="0">
-                  <p:tgtEl>
-                    <p:sldTgt/>
-                  </p:tgtEl>
-                </p:cond>
-              </p:prevCondLst>
-              <p:nextCondLst>
-                <p:cond evt="onNext" delay="0">
-                  <p:tgtEl>
-                    <p:sldTgt/>
-                  </p:tgtEl>
-                </p:cond>
-              </p:nextCondLst>
-            </p:seq>
-          </p:childTnLst>
-        </p:cTn>
-      </p:par>
-    </p:tnLst>
-    <p:bldLst>
-      <p:bldP spid="2" grpId="0"/>
-      <p:bldP spid="5" grpId="0"/>
-      <p:bldP spid="6" grpId="0"/>
-      <p:bldP spid="8" grpId="0"/>
-      <p:bldP spid="9" grpId="0"/>
-    </p:bldLst>
-  </p:timing>
-</p:sld>
-</file>
-
-<file path=ppt/slides/slide4.xml><?xml version="1.0" encoding="utf-8"?>
-<p:sld xmlns:a="http://schemas.openxmlformats.org/drawingml/2006/main" xmlns:r="http://schemas.openxmlformats.org/officeDocument/2006/relationships" xmlns:p="http://schemas.openxmlformats.org/presentationml/2006/main">
-  <p:cSld>
-    <p:spTree>
-      <p:nvGrpSpPr>
-        <p:cNvPr id="1" name=""/>
-        <p:cNvGrpSpPr/>
-        <p:nvPr/>
-      </p:nvGrpSpPr>
-      <p:grpSpPr>
-        <a:xfrm>
-          <a:off x="0" y="0"/>
-          <a:ext cx="0" cy="0"/>
-          <a:chOff x="0" y="0"/>
-          <a:chExt cx="0" cy="0"/>
-        </a:xfrm>
-      </p:grpSpPr>
-      <p:sp>
-        <p:nvSpPr>
-          <p:cNvPr id="2" name="Заголовок 1"/>
-          <p:cNvSpPr>
-            <a:spLocks noGrp="1"/>
-          </p:cNvSpPr>
-          <p:nvPr>
             <p:ph type="title"/>
           </p:nvPr>
         </p:nvSpPr>
@@ -4383,60 +3541,37 @@
           <a:p>
             <a:r>
               <a:rPr lang="ru-RU" dirty="0" smtClean="0"/>
-              <a:t>Простота и </a:t>
-            </a:r>
+              <a:t>Простота </a:t>
+            </a:r>
+            <a:r>
+              <a:rPr lang="ru-RU" smtClean="0"/>
+              <a:t>и </a:t>
+            </a:r>
+            <a:r>
+              <a:rPr lang="ru-RU" smtClean="0"/>
+              <a:t>понятность</a:t>
+            </a:r>
+            <a:endParaRPr lang="ru-RU" dirty="0" smtClean="0"/>
+          </a:p>
+          <a:p>
             <a:r>
               <a:rPr lang="ru-RU" dirty="0" smtClean="0"/>
-              <a:t>понятность.</a:t>
-            </a:r>
-            <a:r>
-              <a:rPr lang="en-US" dirty="0" smtClean="0"/>
-              <a:t> </a:t>
-            </a:r>
+              <a:t>Корректность</a:t>
+            </a:r>
+            <a:endParaRPr lang="en-US" dirty="0" smtClean="0"/>
+          </a:p>
+          <a:p>
             <a:r>
               <a:rPr lang="ru-RU" dirty="0" smtClean="0"/>
-              <a:t>Чтобы </a:t>
-            </a:r>
+              <a:t>Расширяемость</a:t>
+            </a:r>
+            <a:endParaRPr lang="en-US" dirty="0" smtClean="0"/>
+          </a:p>
+          <a:p>
             <a:r>
               <a:rPr lang="ru-RU" dirty="0" smtClean="0"/>
-              <a:t>в будущем инженер смог быстро разобраться и доработать компонент под изменившиеся требования.</a:t>
-            </a:r>
-          </a:p>
-          <a:p>
-            <a:r>
-              <a:rPr lang="ru-RU" dirty="0" smtClean="0"/>
-              <a:t>Корректность.</a:t>
-            </a:r>
-            <a:r>
-              <a:rPr lang="en-US" dirty="0" smtClean="0"/>
-              <a:t> </a:t>
-            </a:r>
-            <a:r>
-              <a:rPr lang="ru-RU" dirty="0" smtClean="0"/>
-              <a:t>Чтобы </a:t>
-            </a:r>
-            <a:r>
-              <a:rPr lang="ru-RU" dirty="0" smtClean="0"/>
-              <a:t>в будущем инженер своими правками случайно не сломал работоспособность системы.</a:t>
-            </a:r>
-          </a:p>
-          <a:p>
-            <a:r>
-              <a:rPr lang="ru-RU" dirty="0" smtClean="0"/>
-              <a:t>Расширяемость. Чтобы в будущем инженеру проще было вносить доработки под новые требования</a:t>
-            </a:r>
-          </a:p>
-          <a:p>
-            <a:r>
-              <a:rPr lang="ru-RU" dirty="0" smtClean="0"/>
-              <a:t>Универсальность. </a:t>
-            </a:r>
-            <a:r>
-              <a:rPr lang="ru-RU" dirty="0" smtClean="0"/>
-              <a:t>Чтобы в будущем инженеру было проще использовать этот код в контексте другой задачи или проекта.</a:t>
-            </a:r>
-          </a:p>
-          <a:p>
+              <a:t>Универсальность</a:t>
+            </a:r>
             <a:endParaRPr lang="ru-RU" dirty="0" smtClean="0"/>
           </a:p>
         </p:txBody>
@@ -4683,7 +3818,350 @@
 </p:sld>
 </file>
 
-<file path=ppt/slides/slide5.xml><?xml version="1.0" encoding="utf-8"?>
+<file path=ppt/slides/slide2.xml><?xml version="1.0" encoding="utf-8"?>
+<p:sld xmlns:a="http://schemas.openxmlformats.org/drawingml/2006/main" xmlns:r="http://schemas.openxmlformats.org/officeDocument/2006/relationships" xmlns:p="http://schemas.openxmlformats.org/presentationml/2006/main">
+  <p:cSld>
+    <p:spTree>
+      <p:nvGrpSpPr>
+        <p:cNvPr id="1" name=""/>
+        <p:cNvGrpSpPr/>
+        <p:nvPr/>
+      </p:nvGrpSpPr>
+      <p:grpSpPr>
+        <a:xfrm>
+          <a:off x="0" y="0"/>
+          <a:ext cx="0" cy="0"/>
+          <a:chOff x="0" y="0"/>
+          <a:chExt cx="0" cy="0"/>
+        </a:xfrm>
+      </p:grpSpPr>
+      <p:sp>
+        <p:nvSpPr>
+          <p:cNvPr id="2" name="Заголовок 1"/>
+          <p:cNvSpPr>
+            <a:spLocks noGrp="1"/>
+          </p:cNvSpPr>
+          <p:nvPr>
+            <p:ph type="title"/>
+          </p:nvPr>
+        </p:nvSpPr>
+        <p:spPr/>
+        <p:txBody>
+          <a:bodyPr/>
+          <a:lstStyle/>
+          <a:p>
+            <a:r>
+              <a:rPr lang="ru-RU" dirty="0" smtClean="0"/>
+              <a:t>Зачем нужен процесс проектирования?</a:t>
+            </a:r>
+            <a:endParaRPr lang="ru-RU" dirty="0"/>
+          </a:p>
+        </p:txBody>
+      </p:sp>
+      <p:sp>
+        <p:nvSpPr>
+          <p:cNvPr id="3" name="Объект 2"/>
+          <p:cNvSpPr>
+            <a:spLocks noGrp="1"/>
+          </p:cNvSpPr>
+          <p:nvPr>
+            <p:ph idx="1"/>
+          </p:nvPr>
+        </p:nvSpPr>
+        <p:spPr/>
+        <p:txBody>
+          <a:bodyPr>
+            <a:normAutofit/>
+          </a:bodyPr>
+          <a:lstStyle/>
+          <a:p>
+            <a:r>
+              <a:rPr lang="ru-RU" dirty="0" smtClean="0"/>
+              <a:t>Простота и понятность.</a:t>
+            </a:r>
+            <a:r>
+              <a:rPr lang="en-US" dirty="0" smtClean="0"/>
+              <a:t> </a:t>
+            </a:r>
+            <a:r>
+              <a:rPr lang="ru-RU" dirty="0" smtClean="0"/>
+              <a:t>Чтобы в будущем инженер смог быстро разобраться и доработать компонент под изменившиеся требования.</a:t>
+            </a:r>
+          </a:p>
+          <a:p>
+            <a:r>
+              <a:rPr lang="ru-RU" dirty="0" smtClean="0"/>
+              <a:t>Корректность.</a:t>
+            </a:r>
+            <a:r>
+              <a:rPr lang="en-US" dirty="0" smtClean="0"/>
+              <a:t> </a:t>
+            </a:r>
+            <a:r>
+              <a:rPr lang="ru-RU" dirty="0" smtClean="0"/>
+              <a:t>Чтобы в будущем инженер своими правками случайно не сломал работоспособность системы.</a:t>
+            </a:r>
+          </a:p>
+          <a:p>
+            <a:r>
+              <a:rPr lang="ru-RU" dirty="0" smtClean="0"/>
+              <a:t>Расширяемость. Чтобы в будущем инженеру проще было вносить доработки под новые требования</a:t>
+            </a:r>
+          </a:p>
+          <a:p>
+            <a:r>
+              <a:rPr lang="ru-RU" dirty="0" smtClean="0"/>
+              <a:t>Универсальность. Чтобы в будущем инженеру было проще использовать этот код в контексте другой задачи или проекта.</a:t>
+            </a:r>
+          </a:p>
+          <a:p>
+            <a:endParaRPr lang="ru-RU" dirty="0" smtClean="0"/>
+          </a:p>
+        </p:txBody>
+      </p:sp>
+    </p:spTree>
+    <p:extLst>
+      <p:ext uri="{BB962C8B-B14F-4D97-AF65-F5344CB8AC3E}">
+        <p14:creationId xmlns:p14="http://schemas.microsoft.com/office/powerpoint/2010/main" val="806113852"/>
+      </p:ext>
+    </p:extLst>
+  </p:cSld>
+  <p:clrMapOvr>
+    <a:masterClrMapping/>
+  </p:clrMapOvr>
+  <p:timing>
+    <p:tnLst>
+      <p:par>
+        <p:cTn id="1" dur="indefinite" restart="never" nodeType="tmRoot">
+          <p:childTnLst>
+            <p:seq concurrent="1" nextAc="seek">
+              <p:cTn id="2" dur="indefinite" nodeType="mainSeq">
+                <p:childTnLst>
+                  <p:par>
+                    <p:cTn id="3" fill="hold">
+                      <p:stCondLst>
+                        <p:cond delay="indefinite"/>
+                      </p:stCondLst>
+                      <p:childTnLst>
+                        <p:par>
+                          <p:cTn id="4" fill="hold">
+                            <p:stCondLst>
+                              <p:cond delay="0"/>
+                            </p:stCondLst>
+                            <p:childTnLst>
+                              <p:par>
+                                <p:cTn id="5" presetID="1" presetClass="entr" presetSubtype="0" fill="hold" grpId="0" nodeType="clickEffect">
+                                  <p:stCondLst>
+                                    <p:cond delay="0"/>
+                                  </p:stCondLst>
+                                  <p:childTnLst>
+                                    <p:set>
+                                      <p:cBhvr>
+                                        <p:cTn id="6" dur="1" fill="hold">
+                                          <p:stCondLst>
+                                            <p:cond delay="0"/>
+                                          </p:stCondLst>
+                                        </p:cTn>
+                                        <p:tgtEl>
+                                          <p:spTgt spid="3">
+                                            <p:txEl>
+                                              <p:pRg st="0" end="0"/>
+                                            </p:txEl>
+                                          </p:spTgt>
+                                        </p:tgtEl>
+                                        <p:attrNameLst>
+                                          <p:attrName>style.visibility</p:attrName>
+                                        </p:attrNameLst>
+                                      </p:cBhvr>
+                                      <p:to>
+                                        <p:strVal val="visible"/>
+                                      </p:to>
+                                    </p:set>
+                                  </p:childTnLst>
+                                </p:cTn>
+                              </p:par>
+                            </p:childTnLst>
+                          </p:cTn>
+                        </p:par>
+                      </p:childTnLst>
+                    </p:cTn>
+                  </p:par>
+                  <p:par>
+                    <p:cTn id="7" fill="hold">
+                      <p:stCondLst>
+                        <p:cond delay="indefinite"/>
+                      </p:stCondLst>
+                      <p:childTnLst>
+                        <p:par>
+                          <p:cTn id="8" fill="hold">
+                            <p:stCondLst>
+                              <p:cond delay="0"/>
+                            </p:stCondLst>
+                            <p:childTnLst>
+                              <p:par>
+                                <p:cTn id="9" presetID="1" presetClass="entr" presetSubtype="0" fill="hold" grpId="0" nodeType="clickEffect">
+                                  <p:stCondLst>
+                                    <p:cond delay="0"/>
+                                  </p:stCondLst>
+                                  <p:childTnLst>
+                                    <p:set>
+                                      <p:cBhvr>
+                                        <p:cTn id="10" dur="1" fill="hold">
+                                          <p:stCondLst>
+                                            <p:cond delay="0"/>
+                                          </p:stCondLst>
+                                        </p:cTn>
+                                        <p:tgtEl>
+                                          <p:spTgt spid="3">
+                                            <p:txEl>
+                                              <p:pRg st="1" end="1"/>
+                                            </p:txEl>
+                                          </p:spTgt>
+                                        </p:tgtEl>
+                                        <p:attrNameLst>
+                                          <p:attrName>style.visibility</p:attrName>
+                                        </p:attrNameLst>
+                                      </p:cBhvr>
+                                      <p:to>
+                                        <p:strVal val="visible"/>
+                                      </p:to>
+                                    </p:set>
+                                  </p:childTnLst>
+                                </p:cTn>
+                              </p:par>
+                            </p:childTnLst>
+                          </p:cTn>
+                        </p:par>
+                      </p:childTnLst>
+                    </p:cTn>
+                  </p:par>
+                  <p:par>
+                    <p:cTn id="11" fill="hold">
+                      <p:stCondLst>
+                        <p:cond delay="indefinite"/>
+                      </p:stCondLst>
+                      <p:childTnLst>
+                        <p:par>
+                          <p:cTn id="12" fill="hold">
+                            <p:stCondLst>
+                              <p:cond delay="0"/>
+                            </p:stCondLst>
+                            <p:childTnLst>
+                              <p:par>
+                                <p:cTn id="13" presetID="1" presetClass="entr" presetSubtype="0" fill="hold" grpId="0" nodeType="clickEffect">
+                                  <p:stCondLst>
+                                    <p:cond delay="0"/>
+                                  </p:stCondLst>
+                                  <p:childTnLst>
+                                    <p:set>
+                                      <p:cBhvr>
+                                        <p:cTn id="14" dur="1" fill="hold">
+                                          <p:stCondLst>
+                                            <p:cond delay="0"/>
+                                          </p:stCondLst>
+                                        </p:cTn>
+                                        <p:tgtEl>
+                                          <p:spTgt spid="3">
+                                            <p:txEl>
+                                              <p:pRg st="2" end="2"/>
+                                            </p:txEl>
+                                          </p:spTgt>
+                                        </p:tgtEl>
+                                        <p:attrNameLst>
+                                          <p:attrName>style.visibility</p:attrName>
+                                        </p:attrNameLst>
+                                      </p:cBhvr>
+                                      <p:to>
+                                        <p:strVal val="visible"/>
+                                      </p:to>
+                                    </p:set>
+                                  </p:childTnLst>
+                                </p:cTn>
+                              </p:par>
+                            </p:childTnLst>
+                          </p:cTn>
+                        </p:par>
+                      </p:childTnLst>
+                    </p:cTn>
+                  </p:par>
+                  <p:par>
+                    <p:cTn id="15" fill="hold">
+                      <p:stCondLst>
+                        <p:cond delay="indefinite"/>
+                      </p:stCondLst>
+                      <p:childTnLst>
+                        <p:par>
+                          <p:cTn id="16" fill="hold">
+                            <p:stCondLst>
+                              <p:cond delay="0"/>
+                            </p:stCondLst>
+                            <p:childTnLst>
+                              <p:par>
+                                <p:cTn id="17" presetID="1" presetClass="entr" presetSubtype="0" fill="hold" grpId="0" nodeType="clickEffect">
+                                  <p:stCondLst>
+                                    <p:cond delay="0"/>
+                                  </p:stCondLst>
+                                  <p:childTnLst>
+                                    <p:set>
+                                      <p:cBhvr>
+                                        <p:cTn id="18" dur="1" fill="hold">
+                                          <p:stCondLst>
+                                            <p:cond delay="0"/>
+                                          </p:stCondLst>
+                                        </p:cTn>
+                                        <p:tgtEl>
+                                          <p:spTgt spid="3">
+                                            <p:txEl>
+                                              <p:pRg st="3" end="3"/>
+                                            </p:txEl>
+                                          </p:spTgt>
+                                        </p:tgtEl>
+                                        <p:attrNameLst>
+                                          <p:attrName>style.visibility</p:attrName>
+                                        </p:attrNameLst>
+                                      </p:cBhvr>
+                                      <p:to>
+                                        <p:strVal val="visible"/>
+                                      </p:to>
+                                    </p:set>
+                                  </p:childTnLst>
+                                </p:cTn>
+                              </p:par>
+                            </p:childTnLst>
+                          </p:cTn>
+                        </p:par>
+                      </p:childTnLst>
+                    </p:cTn>
+                  </p:par>
+                </p:childTnLst>
+              </p:cTn>
+              <p:prevCondLst>
+                <p:cond evt="onPrev" delay="0">
+                  <p:tgtEl>
+                    <p:sldTgt/>
+                  </p:tgtEl>
+                </p:cond>
+              </p:prevCondLst>
+              <p:nextCondLst>
+                <p:cond evt="onNext" delay="0">
+                  <p:tgtEl>
+                    <p:sldTgt/>
+                  </p:tgtEl>
+                </p:cond>
+              </p:nextCondLst>
+            </p:seq>
+          </p:childTnLst>
+        </p:cTn>
+      </p:par>
+    </p:tnLst>
+    <p:bldLst>
+      <p:bldP spid="3" grpId="0" build="p"/>
+    </p:bldLst>
+  </p:timing>
+</p:sld>
+</file>
+
+<file path=ppt/slides/slide3.xml><?xml version="1.0" encoding="utf-8"?>
 <p:sld xmlns:a="http://schemas.openxmlformats.org/drawingml/2006/main" xmlns:r="http://schemas.openxmlformats.org/officeDocument/2006/relationships" xmlns:p="http://schemas.openxmlformats.org/presentationml/2006/main">
   <p:cSld>
     <p:spTree>
@@ -4866,7 +4344,7 @@
 </p:sld>
 </file>
 
-<file path=ppt/slides/slide6.xml><?xml version="1.0" encoding="utf-8"?>
+<file path=ppt/slides/slide4.xml><?xml version="1.0" encoding="utf-8"?>
 <p:sld xmlns:a="http://schemas.openxmlformats.org/drawingml/2006/main" xmlns:r="http://schemas.openxmlformats.org/officeDocument/2006/relationships" xmlns:p="http://schemas.openxmlformats.org/presentationml/2006/main">
   <p:cSld>
     <p:spTree>
@@ -5951,7 +5429,7 @@
 </p:sld>
 </file>
 
-<file path=ppt/slides/slide7.xml><?xml version="1.0" encoding="utf-8"?>
+<file path=ppt/slides/slide5.xml><?xml version="1.0" encoding="utf-8"?>
 <p:sld xmlns:a="http://schemas.openxmlformats.org/drawingml/2006/main" xmlns:r="http://schemas.openxmlformats.org/officeDocument/2006/relationships" xmlns:p="http://schemas.openxmlformats.org/presentationml/2006/main">
   <p:cSld>
     <p:spTree>
@@ -6030,7 +5508,7 @@
 </p:sld>
 </file>
 
-<file path=ppt/slides/slide8.xml><?xml version="1.0" encoding="utf-8"?>
+<file path=ppt/slides/slide6.xml><?xml version="1.0" encoding="utf-8"?>
 <p:sld xmlns:a="http://schemas.openxmlformats.org/drawingml/2006/main" xmlns:r="http://schemas.openxmlformats.org/officeDocument/2006/relationships" xmlns:p="http://schemas.openxmlformats.org/presentationml/2006/main">
   <p:cSld>
     <p:spTree>
@@ -6110,11 +5588,7 @@
             </a:pPr>
             <a:r>
               <a:rPr lang="ru-RU" dirty="0" smtClean="0"/>
-              <a:t>Корректность</a:t>
-            </a:r>
-            <a:r>
-              <a:rPr lang="ru-RU" dirty="0" smtClean="0"/>
-              <a:t>, логичность и расширяемость важнее простоты. Простота интерфейсов</a:t>
+              <a:t>Корректность, логичность и расширяемость важнее простоты. Простота интерфейсов</a:t>
             </a:r>
             <a:r>
               <a:rPr lang="en-US" dirty="0" smtClean="0"/>
@@ -6466,7 +5940,7 @@
 </p:sld>
 </file>
 
-<file path=ppt/slides/slide9.xml><?xml version="1.0" encoding="utf-8"?>
+<file path=ppt/slides/slide7.xml><?xml version="1.0" encoding="utf-8"?>
 <p:sld xmlns:a="http://schemas.openxmlformats.org/drawingml/2006/main" xmlns:r="http://schemas.openxmlformats.org/officeDocument/2006/relationships" xmlns:p="http://schemas.openxmlformats.org/presentationml/2006/main">
   <p:cSld>
     <p:spTree>
@@ -6924,6 +6398,146 @@
     <p:bldLst>
       <p:bldP spid="3" grpId="0" build="p"/>
     </p:bldLst>
+  </p:timing>
+</p:sld>
+</file>
+
+<file path=ppt/slides/slide8.xml><?xml version="1.0" encoding="utf-8"?>
+<p:sld xmlns:a="http://schemas.openxmlformats.org/drawingml/2006/main" xmlns:r="http://schemas.openxmlformats.org/officeDocument/2006/relationships" xmlns:p="http://schemas.openxmlformats.org/presentationml/2006/main">
+  <p:cSld>
+    <p:spTree>
+      <p:nvGrpSpPr>
+        <p:cNvPr id="1" name=""/>
+        <p:cNvGrpSpPr/>
+        <p:nvPr/>
+      </p:nvGrpSpPr>
+      <p:grpSpPr>
+        <a:xfrm>
+          <a:off x="0" y="0"/>
+          <a:ext cx="0" cy="0"/>
+          <a:chOff x="0" y="0"/>
+          <a:chExt cx="0" cy="0"/>
+        </a:xfrm>
+      </p:grpSpPr>
+      <p:sp>
+        <p:nvSpPr>
+          <p:cNvPr id="2" name="Заголовок 1"/>
+          <p:cNvSpPr>
+            <a:spLocks noGrp="1"/>
+          </p:cNvSpPr>
+          <p:nvPr>
+            <p:ph type="title"/>
+          </p:nvPr>
+        </p:nvSpPr>
+        <p:spPr/>
+        <p:txBody>
+          <a:bodyPr/>
+          <a:lstStyle/>
+          <a:p>
+            <a:r>
+              <a:rPr lang="ru-RU" dirty="0" smtClean="0"/>
+              <a:t>Проблемы культуры «</a:t>
+            </a:r>
+            <a:r>
+              <a:rPr lang="en-US" dirty="0" smtClean="0"/>
+              <a:t>Worse Is Better</a:t>
+            </a:r>
+            <a:r>
+              <a:rPr lang="ru-RU" dirty="0" smtClean="0"/>
+              <a:t>»</a:t>
+            </a:r>
+            <a:endParaRPr lang="ru-RU" dirty="0"/>
+          </a:p>
+        </p:txBody>
+      </p:sp>
+      <p:sp>
+        <p:nvSpPr>
+          <p:cNvPr id="3" name="Объект 2"/>
+          <p:cNvSpPr>
+            <a:spLocks noGrp="1"/>
+          </p:cNvSpPr>
+          <p:nvPr>
+            <p:ph idx="1"/>
+          </p:nvPr>
+        </p:nvSpPr>
+        <p:spPr>
+          <a:xfrm>
+            <a:off x="838200" y="1825625"/>
+            <a:ext cx="10515600" cy="4351338"/>
+          </a:xfrm>
+        </p:spPr>
+        <p:txBody>
+          <a:bodyPr/>
+          <a:lstStyle/>
+          <a:p>
+            <a:pPr marL="0" indent="0">
+              <a:buNone/>
+            </a:pPr>
+            <a:r>
+              <a:rPr lang="ru-RU" dirty="0" smtClean="0"/>
+              <a:t>«</a:t>
+            </a:r>
+            <a:r>
+              <a:rPr lang="en-US" dirty="0" smtClean="0"/>
+              <a:t>We’ve </a:t>
+            </a:r>
+            <a:r>
+              <a:rPr lang="en-US" dirty="0"/>
+              <a:t>started to think small and take small risks. And given our large scale slide towards worse-is-better, </a:t>
+            </a:r>
+            <a:r>
+              <a:rPr lang="en-US" b="1" dirty="0"/>
+              <a:t>there’s a real possibility that worse-is-better will simply become bad-lazy-design</a:t>
+            </a:r>
+            <a:r>
+              <a:rPr lang="en-US" dirty="0"/>
+              <a:t>, and we will lose the ability to recognize the right-thing</a:t>
+            </a:r>
+            <a:r>
+              <a:rPr lang="en-US" dirty="0" smtClean="0"/>
+              <a:t>.</a:t>
+            </a:r>
+            <a:r>
+              <a:rPr lang="ru-RU" dirty="0" smtClean="0"/>
+              <a:t>»</a:t>
+            </a:r>
+          </a:p>
+          <a:p>
+            <a:pPr marL="0" indent="0">
+              <a:buNone/>
+            </a:pPr>
+            <a:r>
+              <a:rPr lang="en-US" sz="2400" dirty="0" smtClean="0">
+                <a:hlinkClick r:id="rId2"/>
+              </a:rPr>
+              <a:t>http://spin.atomicobject.com/2015/01/12/worse-is-better-vs-right-thing/</a:t>
+            </a:r>
+            <a:endParaRPr lang="ru-RU" sz="2400" dirty="0" smtClean="0"/>
+          </a:p>
+          <a:p>
+            <a:pPr marL="0" indent="0">
+              <a:buNone/>
+            </a:pPr>
+            <a:endParaRPr lang="ru-RU" b="1" dirty="0"/>
+          </a:p>
+        </p:txBody>
+      </p:sp>
+    </p:spTree>
+    <p:extLst>
+      <p:ext uri="{BB962C8B-B14F-4D97-AF65-F5344CB8AC3E}">
+        <p14:creationId xmlns:p14="http://schemas.microsoft.com/office/powerpoint/2010/main" val="2092131821"/>
+      </p:ext>
+    </p:extLst>
+  </p:cSld>
+  <p:clrMapOvr>
+    <a:masterClrMapping/>
+  </p:clrMapOvr>
+  <p:timing>
+    <p:tnLst>
+      <p:par>
+        <p:cTn id="1" dur="indefinite" restart="never" nodeType="tmRoot"/>
+      </p:par>
+    </p:tnLst>
   </p:timing>
 </p:sld>
 </file>
